--- a/Presentation.pptx
+++ b/Presentation.pptx
@@ -306,7 +306,7 @@
             <a:fld id="{8BD2C9FD-BDC8-4862-BD5E-A5537FDC96B6}" type="datetimeFigureOut">
               <a:rPr lang="id-ID" smtClean="0"/>
               <a:pPr/>
-              <a:t>31/05/2020</a:t>
+              <a:t>04/06/2020</a:t>
             </a:fld>
             <a:endParaRPr lang="id-ID"/>
           </a:p>
@@ -473,7 +473,7 @@
             <a:fld id="{8BD2C9FD-BDC8-4862-BD5E-A5537FDC96B6}" type="datetimeFigureOut">
               <a:rPr lang="id-ID" smtClean="0"/>
               <a:pPr/>
-              <a:t>31/05/2020</a:t>
+              <a:t>04/06/2020</a:t>
             </a:fld>
             <a:endParaRPr lang="id-ID"/>
           </a:p>
@@ -650,7 +650,7 @@
             <a:fld id="{8BD2C9FD-BDC8-4862-BD5E-A5537FDC96B6}" type="datetimeFigureOut">
               <a:rPr lang="id-ID" smtClean="0"/>
               <a:pPr/>
-              <a:t>31/05/2020</a:t>
+              <a:t>04/06/2020</a:t>
             </a:fld>
             <a:endParaRPr lang="id-ID"/>
           </a:p>
@@ -817,7 +817,7 @@
             <a:fld id="{8BD2C9FD-BDC8-4862-BD5E-A5537FDC96B6}" type="datetimeFigureOut">
               <a:rPr lang="id-ID" smtClean="0"/>
               <a:pPr/>
-              <a:t>31/05/2020</a:t>
+              <a:t>04/06/2020</a:t>
             </a:fld>
             <a:endParaRPr lang="id-ID"/>
           </a:p>
@@ -1060,7 +1060,7 @@
             <a:fld id="{8BD2C9FD-BDC8-4862-BD5E-A5537FDC96B6}" type="datetimeFigureOut">
               <a:rPr lang="id-ID" smtClean="0"/>
               <a:pPr/>
-              <a:t>31/05/2020</a:t>
+              <a:t>04/06/2020</a:t>
             </a:fld>
             <a:endParaRPr lang="id-ID"/>
           </a:p>
@@ -1345,7 +1345,7 @@
             <a:fld id="{8BD2C9FD-BDC8-4862-BD5E-A5537FDC96B6}" type="datetimeFigureOut">
               <a:rPr lang="id-ID" smtClean="0"/>
               <a:pPr/>
-              <a:t>31/05/2020</a:t>
+              <a:t>04/06/2020</a:t>
             </a:fld>
             <a:endParaRPr lang="id-ID"/>
           </a:p>
@@ -1764,7 +1764,7 @@
             <a:fld id="{8BD2C9FD-BDC8-4862-BD5E-A5537FDC96B6}" type="datetimeFigureOut">
               <a:rPr lang="id-ID" smtClean="0"/>
               <a:pPr/>
-              <a:t>31/05/2020</a:t>
+              <a:t>04/06/2020</a:t>
             </a:fld>
             <a:endParaRPr lang="id-ID"/>
           </a:p>
@@ -1879,7 +1879,7 @@
             <a:fld id="{8BD2C9FD-BDC8-4862-BD5E-A5537FDC96B6}" type="datetimeFigureOut">
               <a:rPr lang="id-ID" smtClean="0"/>
               <a:pPr/>
-              <a:t>31/05/2020</a:t>
+              <a:t>04/06/2020</a:t>
             </a:fld>
             <a:endParaRPr lang="id-ID"/>
           </a:p>
@@ -1971,7 +1971,7 @@
             <a:fld id="{8BD2C9FD-BDC8-4862-BD5E-A5537FDC96B6}" type="datetimeFigureOut">
               <a:rPr lang="id-ID" smtClean="0"/>
               <a:pPr/>
-              <a:t>31/05/2020</a:t>
+              <a:t>04/06/2020</a:t>
             </a:fld>
             <a:endParaRPr lang="id-ID"/>
           </a:p>
@@ -2245,7 +2245,7 @@
             <a:fld id="{8BD2C9FD-BDC8-4862-BD5E-A5537FDC96B6}" type="datetimeFigureOut">
               <a:rPr lang="id-ID" smtClean="0"/>
               <a:pPr/>
-              <a:t>31/05/2020</a:t>
+              <a:t>04/06/2020</a:t>
             </a:fld>
             <a:endParaRPr lang="id-ID"/>
           </a:p>
@@ -2495,7 +2495,7 @@
             <a:fld id="{8BD2C9FD-BDC8-4862-BD5E-A5537FDC96B6}" type="datetimeFigureOut">
               <a:rPr lang="id-ID" smtClean="0"/>
               <a:pPr/>
-              <a:t>31/05/2020</a:t>
+              <a:t>04/06/2020</a:t>
             </a:fld>
             <a:endParaRPr lang="id-ID"/>
           </a:p>
@@ -2710,7 +2710,7 @@
             <a:fld id="{8BD2C9FD-BDC8-4862-BD5E-A5537FDC96B6}" type="datetimeFigureOut">
               <a:rPr lang="id-ID" smtClean="0"/>
               <a:pPr/>
-              <a:t>31/05/2020</a:t>
+              <a:t>04/06/2020</a:t>
             </a:fld>
             <a:endParaRPr lang="id-ID"/>
           </a:p>
@@ -5446,13 +5446,7 @@
                 <a:rPr lang="en-US" sz="2000" i="1" dirty="0" smtClean="0">
                   <a:latin typeface="Helvetica" pitchFamily="2" charset="0"/>
                 </a:rPr>
-                <a:t>Modeling </a:t>
-              </a:r>
-              <a:r>
-                <a:rPr lang="en-US" sz="2000" i="1" dirty="0" smtClean="0">
-                  <a:latin typeface="Helvetica" pitchFamily="2" charset="0"/>
-                </a:rPr>
-                <a:t>With Multinomial Naïve </a:t>
+                <a:t>Modeling With Multinomial Naïve </a:t>
               </a:r>
               <a:r>
                 <a:rPr lang="en-US" sz="2000" i="1" dirty="0" err="1" smtClean="0">
@@ -5743,13 +5737,7 @@
               <a:rPr lang="en-US" dirty="0" err="1" smtClean="0">
                 <a:latin typeface="Helvetica" pitchFamily="2" charset="0"/>
               </a:rPr>
-              <a:t>B</a:t>
-            </a:r>
-            <a:r>
-              <a:rPr lang="en-US" dirty="0" err="1" smtClean="0">
-                <a:latin typeface="Helvetica" pitchFamily="2" charset="0"/>
-              </a:rPr>
-              <a:t>ayes</a:t>
+              <a:t>Bayes</a:t>
             </a:r>
             <a:r>
               <a:rPr lang="en-US" dirty="0" smtClean="0">
@@ -6464,31 +6452,7 @@
               <a:rPr lang="en-US" dirty="0" smtClean="0">
                 <a:latin typeface="Helvetica" pitchFamily="2" charset="0"/>
               </a:rPr>
-              <a:t>False </a:t>
-            </a:r>
-            <a:r>
-              <a:rPr lang="en-US" dirty="0" smtClean="0">
-                <a:latin typeface="Helvetica" pitchFamily="2" charset="0"/>
-              </a:rPr>
-              <a:t>Positive </a:t>
-            </a:r>
-            <a:r>
-              <a:rPr lang="en-US" dirty="0" smtClean="0">
-                <a:latin typeface="Helvetica" pitchFamily="2" charset="0"/>
-              </a:rPr>
-              <a:t>(FP</a:t>
-            </a:r>
-            <a:r>
-              <a:rPr lang="en-US" dirty="0" smtClean="0">
-                <a:latin typeface="Helvetica" pitchFamily="2" charset="0"/>
-              </a:rPr>
-              <a:t>) </a:t>
-            </a:r>
-            <a:r>
-              <a:rPr lang="en-US" dirty="0" smtClean="0">
-                <a:latin typeface="Helvetica" pitchFamily="2" charset="0"/>
-              </a:rPr>
-              <a:t>= 11 </a:t>
+              <a:t>False Positive (FP) = 11 </a:t>
             </a:r>
           </a:p>
           <a:p>
@@ -6504,25 +6468,7 @@
               <a:rPr lang="en-US" dirty="0" smtClean="0">
                 <a:latin typeface="Helvetica" pitchFamily="2" charset="0"/>
               </a:rPr>
-              <a:t>True </a:t>
-            </a:r>
-            <a:r>
-              <a:rPr lang="en-US" dirty="0" smtClean="0">
-                <a:latin typeface="Helvetica" pitchFamily="2" charset="0"/>
-              </a:rPr>
-              <a:t>Negative </a:t>
-            </a:r>
-            <a:r>
-              <a:rPr lang="en-US" dirty="0" smtClean="0">
-                <a:latin typeface="Helvetica" pitchFamily="2" charset="0"/>
-              </a:rPr>
-              <a:t>(</a:t>
-            </a:r>
-            <a:r>
-              <a:rPr lang="en-US" dirty="0" smtClean="0">
-                <a:latin typeface="Helvetica" pitchFamily="2" charset="0"/>
-              </a:rPr>
-              <a:t>TN) = 378</a:t>
+              <a:t>True Negative (TN) = 378</a:t>
             </a:r>
             <a:endParaRPr lang="id-ID" dirty="0">
               <a:latin typeface="Helvetica" pitchFamily="2" charset="0"/>
@@ -8265,13 +8211,7 @@
               <a:rPr lang="en-US" sz="2800" b="1" dirty="0" smtClean="0">
                 <a:latin typeface="Helvetica" pitchFamily="2" charset="0"/>
               </a:rPr>
-              <a:t>⚔FakeNewsBuster.com</a:t>
-            </a:r>
-            <a:r>
-              <a:rPr lang="en-US" sz="2800" b="1" dirty="0" smtClean="0">
-                <a:latin typeface="Helvetica" pitchFamily="2" charset="0"/>
-              </a:rPr>
-              <a:t> ⚔</a:t>
+              <a:t>⚔FakeNewsBuster.com ⚔</a:t>
             </a:r>
             <a:endParaRPr lang="id-ID" sz="2800" b="1" dirty="0">
               <a:latin typeface="Helvetica" pitchFamily="2" charset="0"/>
@@ -10150,6 +10090,60 @@
           </a:prstGeom>
         </p:spPr>
       </p:pic>
+      <p:sp>
+        <p:nvSpPr>
+          <p:cNvPr id="11" name="TextBox 10"/>
+          <p:cNvSpPr txBox="1"/>
+          <p:nvPr/>
+        </p:nvSpPr>
+        <p:spPr>
+          <a:xfrm>
+            <a:off x="285720" y="3880498"/>
+            <a:ext cx="2643206" cy="1477328"/>
+          </a:xfrm>
+          <a:prstGeom prst="rect">
+            <a:avLst/>
+          </a:prstGeom>
+          <a:noFill/>
+        </p:spPr>
+        <p:txBody>
+          <a:bodyPr wrap="square" rtlCol="0">
+            <a:spAutoFit/>
+          </a:bodyPr>
+          <a:lstStyle/>
+          <a:p>
+            <a:r>
+              <a:rPr lang="en-US" dirty="0" smtClean="0">
+                <a:latin typeface="Helvetica" pitchFamily="2" charset="0"/>
+              </a:rPr>
+              <a:t>Real News Data = 1872</a:t>
+            </a:r>
+          </a:p>
+          <a:p>
+            <a:endParaRPr lang="en-US" dirty="0" smtClean="0">
+              <a:latin typeface="Helvetica" pitchFamily="2" charset="0"/>
+            </a:endParaRPr>
+          </a:p>
+          <a:p>
+            <a:r>
+              <a:rPr lang="en-US" dirty="0" smtClean="0">
+                <a:latin typeface="Helvetica" pitchFamily="2" charset="0"/>
+              </a:rPr>
+              <a:t>Fake News Data = 2137</a:t>
+            </a:r>
+          </a:p>
+          <a:p>
+            <a:endParaRPr lang="en-US" dirty="0" smtClean="0">
+              <a:latin typeface="Helvetica" pitchFamily="2" charset="0"/>
+            </a:endParaRPr>
+          </a:p>
+          <a:p>
+            <a:endParaRPr lang="id-ID" dirty="0">
+              <a:latin typeface="Helvetica" pitchFamily="2" charset="0"/>
+            </a:endParaRPr>
+          </a:p>
+        </p:txBody>
+      </p:sp>
     </p:spTree>
   </p:cSld>
   <p:clrMapOvr>
@@ -10253,13 +10247,7 @@
                 <a:rPr lang="en-US" sz="2000" i="1" dirty="0" smtClean="0">
                   <a:latin typeface="Helvetica" pitchFamily="2" charset="0"/>
                 </a:rPr>
-                <a:t>Insert New Feature As Data’s </a:t>
-              </a:r>
-              <a:r>
-                <a:rPr lang="en-US" sz="2000" i="1" dirty="0" smtClean="0">
-                  <a:latin typeface="Helvetica" pitchFamily="2" charset="0"/>
-                </a:rPr>
-                <a:t>Prediction</a:t>
+                <a:t>Insert New Feature As Data’s Prediction</a:t>
               </a:r>
               <a:endParaRPr lang="id-ID" sz="2000" i="1" dirty="0">
                 <a:latin typeface="Helvetica" pitchFamily="2" charset="0"/>
@@ -11492,31 +11480,7 @@
               <a:rPr lang="en-US" b="1" dirty="0" smtClean="0">
                 <a:latin typeface="Helvetica" pitchFamily="2" charset="0"/>
               </a:rPr>
-              <a:t>Column</a:t>
-            </a:r>
-            <a:r>
-              <a:rPr lang="en-US" b="1" dirty="0" smtClean="0">
-                <a:latin typeface="Helvetica" pitchFamily="2" charset="0"/>
-              </a:rPr>
-              <a:t> </a:t>
-            </a:r>
-            <a:r>
-              <a:rPr lang="en-US" b="1" dirty="0" smtClean="0">
-                <a:latin typeface="Helvetica" pitchFamily="2" charset="0"/>
-              </a:rPr>
-              <a:t>B</a:t>
-            </a:r>
-            <a:r>
-              <a:rPr lang="en-US" b="1" dirty="0" smtClean="0">
-                <a:latin typeface="Helvetica" pitchFamily="2" charset="0"/>
-              </a:rPr>
-              <a:t>ody </a:t>
-            </a:r>
-            <a:r>
-              <a:rPr lang="en-US" b="1" dirty="0" smtClean="0">
-                <a:latin typeface="Helvetica" pitchFamily="2" charset="0"/>
-              </a:rPr>
-              <a:t>as feature</a:t>
+              <a:t>Column Body as feature</a:t>
             </a:r>
           </a:p>
           <a:p>
@@ -11529,19 +11493,7 @@
               <a:rPr lang="en-US" b="1" dirty="0" smtClean="0">
                 <a:latin typeface="Helvetica" pitchFamily="2" charset="0"/>
               </a:rPr>
-              <a:t>Column Target (Real/Fake)</a:t>
-            </a:r>
-            <a:r>
-              <a:rPr lang="en-US" b="1" dirty="0" smtClean="0">
-                <a:latin typeface="Helvetica" pitchFamily="2" charset="0"/>
-              </a:rPr>
-              <a:t> </a:t>
-            </a:r>
-            <a:r>
-              <a:rPr lang="en-US" b="1" dirty="0" smtClean="0">
-                <a:latin typeface="Helvetica" pitchFamily="2" charset="0"/>
-              </a:rPr>
-              <a:t>as classification</a:t>
+              <a:t>Column Target (Real/Fake) as classification</a:t>
             </a:r>
             <a:endParaRPr lang="id-ID" b="1" dirty="0">
               <a:latin typeface="Helvetica" pitchFamily="2" charset="0"/>

--- a/Presentation.pptx
+++ b/Presentation.pptx
@@ -306,7 +306,7 @@
             <a:fld id="{8BD2C9FD-BDC8-4862-BD5E-A5537FDC96B6}" type="datetimeFigureOut">
               <a:rPr lang="id-ID" smtClean="0"/>
               <a:pPr/>
-              <a:t>04/06/2020</a:t>
+              <a:t>05/06/2020</a:t>
             </a:fld>
             <a:endParaRPr lang="id-ID"/>
           </a:p>
@@ -473,7 +473,7 @@
             <a:fld id="{8BD2C9FD-BDC8-4862-BD5E-A5537FDC96B6}" type="datetimeFigureOut">
               <a:rPr lang="id-ID" smtClean="0"/>
               <a:pPr/>
-              <a:t>04/06/2020</a:t>
+              <a:t>05/06/2020</a:t>
             </a:fld>
             <a:endParaRPr lang="id-ID"/>
           </a:p>
@@ -650,7 +650,7 @@
             <a:fld id="{8BD2C9FD-BDC8-4862-BD5E-A5537FDC96B6}" type="datetimeFigureOut">
               <a:rPr lang="id-ID" smtClean="0"/>
               <a:pPr/>
-              <a:t>04/06/2020</a:t>
+              <a:t>05/06/2020</a:t>
             </a:fld>
             <a:endParaRPr lang="id-ID"/>
           </a:p>
@@ -817,7 +817,7 @@
             <a:fld id="{8BD2C9FD-BDC8-4862-BD5E-A5537FDC96B6}" type="datetimeFigureOut">
               <a:rPr lang="id-ID" smtClean="0"/>
               <a:pPr/>
-              <a:t>04/06/2020</a:t>
+              <a:t>05/06/2020</a:t>
             </a:fld>
             <a:endParaRPr lang="id-ID"/>
           </a:p>
@@ -1060,7 +1060,7 @@
             <a:fld id="{8BD2C9FD-BDC8-4862-BD5E-A5537FDC96B6}" type="datetimeFigureOut">
               <a:rPr lang="id-ID" smtClean="0"/>
               <a:pPr/>
-              <a:t>04/06/2020</a:t>
+              <a:t>05/06/2020</a:t>
             </a:fld>
             <a:endParaRPr lang="id-ID"/>
           </a:p>
@@ -1345,7 +1345,7 @@
             <a:fld id="{8BD2C9FD-BDC8-4862-BD5E-A5537FDC96B6}" type="datetimeFigureOut">
               <a:rPr lang="id-ID" smtClean="0"/>
               <a:pPr/>
-              <a:t>04/06/2020</a:t>
+              <a:t>05/06/2020</a:t>
             </a:fld>
             <a:endParaRPr lang="id-ID"/>
           </a:p>
@@ -1764,7 +1764,7 @@
             <a:fld id="{8BD2C9FD-BDC8-4862-BD5E-A5537FDC96B6}" type="datetimeFigureOut">
               <a:rPr lang="id-ID" smtClean="0"/>
               <a:pPr/>
-              <a:t>04/06/2020</a:t>
+              <a:t>05/06/2020</a:t>
             </a:fld>
             <a:endParaRPr lang="id-ID"/>
           </a:p>
@@ -1879,7 +1879,7 @@
             <a:fld id="{8BD2C9FD-BDC8-4862-BD5E-A5537FDC96B6}" type="datetimeFigureOut">
               <a:rPr lang="id-ID" smtClean="0"/>
               <a:pPr/>
-              <a:t>04/06/2020</a:t>
+              <a:t>05/06/2020</a:t>
             </a:fld>
             <a:endParaRPr lang="id-ID"/>
           </a:p>
@@ -1971,7 +1971,7 @@
             <a:fld id="{8BD2C9FD-BDC8-4862-BD5E-A5537FDC96B6}" type="datetimeFigureOut">
               <a:rPr lang="id-ID" smtClean="0"/>
               <a:pPr/>
-              <a:t>04/06/2020</a:t>
+              <a:t>05/06/2020</a:t>
             </a:fld>
             <a:endParaRPr lang="id-ID"/>
           </a:p>
@@ -2245,7 +2245,7 @@
             <a:fld id="{8BD2C9FD-BDC8-4862-BD5E-A5537FDC96B6}" type="datetimeFigureOut">
               <a:rPr lang="id-ID" smtClean="0"/>
               <a:pPr/>
-              <a:t>04/06/2020</a:t>
+              <a:t>05/06/2020</a:t>
             </a:fld>
             <a:endParaRPr lang="id-ID"/>
           </a:p>
@@ -2495,7 +2495,7 @@
             <a:fld id="{8BD2C9FD-BDC8-4862-BD5E-A5537FDC96B6}" type="datetimeFigureOut">
               <a:rPr lang="id-ID" smtClean="0"/>
               <a:pPr/>
-              <a:t>04/06/2020</a:t>
+              <a:t>05/06/2020</a:t>
             </a:fld>
             <a:endParaRPr lang="id-ID"/>
           </a:p>
@@ -2710,7 +2710,7 @@
             <a:fld id="{8BD2C9FD-BDC8-4862-BD5E-A5537FDC96B6}" type="datetimeFigureOut">
               <a:rPr lang="id-ID" smtClean="0"/>
               <a:pPr/>
-              <a:t>04/06/2020</a:t>
+              <a:t>05/06/2020</a:t>
             </a:fld>
             <a:endParaRPr lang="id-ID"/>
           </a:p>
@@ -6452,16 +6452,34 @@
               <a:rPr lang="en-US" dirty="0" smtClean="0">
                 <a:latin typeface="Helvetica" pitchFamily="2" charset="0"/>
               </a:rPr>
-              <a:t>False Positive (FP) = 11 </a:t>
-            </a:r>
-          </a:p>
-          <a:p>
-            <a:r>
-              <a:rPr lang="en-US" dirty="0" smtClean="0">
-                <a:latin typeface="Helvetica" pitchFamily="2" charset="0"/>
-              </a:rPr>
-              <a:t>False Negative (FN) = 51</a:t>
-            </a:r>
+              <a:t>False Positive (FP) = </a:t>
+            </a:r>
+            <a:r>
+              <a:rPr lang="en-US" dirty="0" smtClean="0">
+                <a:latin typeface="Helvetica" pitchFamily="2" charset="0"/>
+              </a:rPr>
+              <a:t>51 </a:t>
+            </a:r>
+            <a:endParaRPr lang="en-US" dirty="0" smtClean="0">
+              <a:latin typeface="Helvetica" pitchFamily="2" charset="0"/>
+            </a:endParaRPr>
+          </a:p>
+          <a:p>
+            <a:r>
+              <a:rPr lang="en-US" dirty="0" smtClean="0">
+                <a:latin typeface="Helvetica" pitchFamily="2" charset="0"/>
+              </a:rPr>
+              <a:t>False Negative (FN) = </a:t>
+            </a:r>
+            <a:r>
+              <a:rPr lang="en-US" dirty="0" smtClean="0">
+                <a:latin typeface="Helvetica" pitchFamily="2" charset="0"/>
+              </a:rPr>
+              <a:t>11</a:t>
+            </a:r>
+            <a:endParaRPr lang="en-US" dirty="0" smtClean="0">
+              <a:latin typeface="Helvetica" pitchFamily="2" charset="0"/>
+            </a:endParaRPr>
           </a:p>
           <a:p>
             <a:r>
@@ -10247,7 +10265,13 @@
                 <a:rPr lang="en-US" sz="2000" i="1" dirty="0" smtClean="0">
                   <a:latin typeface="Helvetica" pitchFamily="2" charset="0"/>
                 </a:rPr>
-                <a:t>Insert New Feature As Data’s Prediction</a:t>
+                <a:t>Insert New Feature As Data’s </a:t>
+              </a:r>
+              <a:r>
+                <a:rPr lang="en-US" sz="2000" i="1" dirty="0" smtClean="0">
+                  <a:latin typeface="Helvetica" pitchFamily="2" charset="0"/>
+                </a:rPr>
+                <a:t>Class</a:t>
               </a:r>
               <a:endParaRPr lang="id-ID" sz="2000" i="1" dirty="0">
                 <a:latin typeface="Helvetica" pitchFamily="2" charset="0"/>
@@ -11480,8 +11504,17 @@
               <a:rPr lang="en-US" b="1" dirty="0" smtClean="0">
                 <a:latin typeface="Helvetica" pitchFamily="2" charset="0"/>
               </a:rPr>
-              <a:t>Column Body as feature</a:t>
-            </a:r>
+              <a:t>Column Body as </a:t>
+            </a:r>
+            <a:r>
+              <a:rPr lang="en-US" b="1" dirty="0" smtClean="0">
+                <a:latin typeface="Helvetica" pitchFamily="2" charset="0"/>
+              </a:rPr>
+              <a:t>feature / attribute</a:t>
+            </a:r>
+            <a:endParaRPr lang="en-US" b="1" dirty="0" smtClean="0">
+              <a:latin typeface="Helvetica" pitchFamily="2" charset="0"/>
+            </a:endParaRPr>
           </a:p>
           <a:p>
             <a:endParaRPr lang="en-US" b="1" dirty="0">
